--- a/Documentacion/Lab PlantillaFinalCiclo1.pptx
+++ b/Documentacion/Lab PlantillaFinalCiclo1.pptx
@@ -15847,14 +15847,14 @@
           <p:nvPr>
             <p:extLst>
               <p:ext uri="{D42A27DB-BD31-4B8C-83A1-F6EECF244321}">
-                <p14:modId xmlns:p14="http://schemas.microsoft.com/office/powerpoint/2010/main" val="2926374938"/>
+                <p14:modId xmlns:p14="http://schemas.microsoft.com/office/powerpoint/2010/main" val="1979824535"/>
               </p:ext>
             </p:extLst>
           </p:nvPr>
         </p:nvGraphicFramePr>
         <p:xfrm>
           <a:off x="539551" y="2029792"/>
-          <a:ext cx="7869812" cy="3119566"/>
+          <a:ext cx="7869812" cy="3622486"/>
         </p:xfrm>
         <a:graphic>
           <a:graphicData uri="http://schemas.openxmlformats.org/drawingml/2006/table">
@@ -16179,6 +16179,55 @@
                 <a:extLst>
                   <a:ext uri="{0D108BD9-81ED-4DB2-BD59-A6C34878D82A}">
                     <a16:rowId xmlns:a16="http://schemas.microsoft.com/office/drawing/2014/main" val="10007"/>
+                  </a:ext>
+                </a:extLst>
+              </a:tr>
+              <a:tr h="402347">
+                <a:tc>
+                  <a:txBody>
+                    <a:bodyPr/>
+                    <a:lstStyle/>
+                    <a:p>
+                      <a:r>
+                        <a:rPr lang="es-CO" dirty="0" err="1"/>
+                        <a:t>Issues</a:t>
+                      </a:r>
+                      <a:endParaRPr lang="es-CO" dirty="0"/>
+                    </a:p>
+                  </a:txBody>
+                  <a:tcPr/>
+                </a:tc>
+                <a:tc>
+                  <a:txBody>
+                    <a:bodyPr/>
+                    <a:lstStyle/>
+                    <a:p>
+                      <a:r>
+                        <a:rPr lang="es-CO" dirty="0" err="1"/>
+                        <a:t>Code</a:t>
+                      </a:r>
+                      <a:r>
+                        <a:rPr lang="es-CO" dirty="0"/>
+                        <a:t> </a:t>
+                      </a:r>
+                      <a:r>
+                        <a:rPr lang="es-CO" dirty="0" err="1"/>
+                        <a:t>Smell</a:t>
+                      </a:r>
+                      <a:endParaRPr lang="es-CO" dirty="0"/>
+                    </a:p>
+                    <a:p>
+                      <a:r>
+                        <a:rPr lang="es-CO" dirty="0"/>
+                        <a:t>Bug</a:t>
+                      </a:r>
+                    </a:p>
+                  </a:txBody>
+                  <a:tcPr/>
+                </a:tc>
+                <a:extLst>
+                  <a:ext uri="{0D108BD9-81ED-4DB2-BD59-A6C34878D82A}">
+                    <a16:rowId xmlns:a16="http://schemas.microsoft.com/office/drawing/2014/main" val="3715658568"/>
                   </a:ext>
                 </a:extLst>
               </a:tr>
@@ -17292,7 +17341,7 @@
           <p:nvPr>
             <p:extLst>
               <p:ext uri="{D42A27DB-BD31-4B8C-83A1-F6EECF244321}">
-                <p14:modId xmlns:p14="http://schemas.microsoft.com/office/powerpoint/2010/main" val="1546367091"/>
+                <p14:modId xmlns:p14="http://schemas.microsoft.com/office/powerpoint/2010/main" val="81727583"/>
               </p:ext>
             </p:extLst>
           </p:nvPr>
